--- a/PPT/한 학기 정리.pptx
+++ b/PPT/한 학기 정리.pptx
@@ -13197,7 +13197,7 @@
         </p:nvSpPr>
         <p:spPr>
           <a:xfrm>
-            <a:off x="9715500" y="3797300"/>
+            <a:off x="9715500" y="3873500"/>
             <a:ext cx="7518300" cy="1361400"/>
           </a:xfrm>
           <a:prstGeom prst="rect">
@@ -13392,7 +13392,7 @@
         </p:nvSpPr>
         <p:spPr>
           <a:xfrm>
-            <a:off x="9715500" y="6084200"/>
+            <a:off x="9715500" y="6160400"/>
             <a:ext cx="7467600" cy="1361400"/>
           </a:xfrm>
           <a:prstGeom prst="rect">
@@ -13518,8 +13518,8 @@
         </p:blipFill>
         <p:spPr>
           <a:xfrm>
-            <a:off x="939799" y="2895600"/>
-            <a:ext cx="8271826" cy="4969876"/>
+            <a:off x="939801" y="2895600"/>
+            <a:ext cx="8200826" cy="5274799"/>
           </a:xfrm>
           <a:prstGeom prst="rect">
             <a:avLst/>
@@ -15252,7 +15252,7 @@
             <a:tbl>
               <a:tblPr>
                 <a:noFill/>
-                <a:tableStyleId>{F3657C1D-D5BE-4E5A-BEA3-63E2B48D8068}</a:tableStyleId>
+                <a:tableStyleId>{0E5E6279-FC02-4860-A87F-ACBC6A372178}</a:tableStyleId>
               </a:tblPr>
               <a:tblGrid>
                 <a:gridCol w="830425"/>
@@ -16736,7 +16736,7 @@
                 <a:solidFill>
                   <a:srgbClr val="FFFFFF"/>
                 </a:solidFill>
-                <a:tableStyleId>{F3657C1D-D5BE-4E5A-BEA3-63E2B48D8068}</a:tableStyleId>
+                <a:tableStyleId>{0E5E6279-FC02-4860-A87F-ACBC6A372178}</a:tableStyleId>
               </a:tblPr>
               <a:tblGrid>
                 <a:gridCol w="1355525"/>
@@ -18048,7 +18048,7 @@
                 <a:solidFill>
                   <a:srgbClr val="FFFFFF"/>
                 </a:solidFill>
-                <a:tableStyleId>{F3657C1D-D5BE-4E5A-BEA3-63E2B48D8068}</a:tableStyleId>
+                <a:tableStyleId>{0E5E6279-FC02-4860-A87F-ACBC6A372178}</a:tableStyleId>
               </a:tblPr>
               <a:tblGrid>
                 <a:gridCol w="1072575"/>

--- a/PPT/한 학기 정리.pptx
+++ b/PPT/한 학기 정리.pptx
@@ -1194,7 +1194,7 @@
   <p:cSld>
     <p:spTree>
       <p:nvGrpSpPr>
-        <p:cNvPr id="165" name="Shape 165"/>
+        <p:cNvPr id="167" name="Shape 167"/>
         <p:cNvGrpSpPr/>
         <p:nvPr/>
       </p:nvGrpSpPr>
@@ -1208,7 +1208,7 @@
       </p:grpSpPr>
       <p:sp>
         <p:nvSpPr>
-          <p:cNvPr id="166" name="Google Shape;166;g365c468214d_5_0:notes"/>
+          <p:cNvPr id="168" name="Google Shape;168;g365c468214d_5_0:notes"/>
           <p:cNvSpPr txBox="1"/>
           <p:nvPr>
             <p:ph idx="1" type="body"/>
@@ -1247,7 +1247,7 @@
       </p:sp>
       <p:sp>
         <p:nvSpPr>
-          <p:cNvPr id="167" name="Google Shape;167;g365c468214d_5_0:notes"/>
+          <p:cNvPr id="169" name="Google Shape;169;g365c468214d_5_0:notes"/>
           <p:cNvSpPr/>
           <p:nvPr>
             <p:ph idx="2" type="sldImg"/>
@@ -1293,7 +1293,7 @@
   <p:cSld>
     <p:spTree>
       <p:nvGrpSpPr>
-        <p:cNvPr id="175" name="Shape 175"/>
+        <p:cNvPr id="177" name="Shape 177"/>
         <p:cNvGrpSpPr/>
         <p:nvPr/>
       </p:nvGrpSpPr>
@@ -1307,7 +1307,7 @@
       </p:grpSpPr>
       <p:sp>
         <p:nvSpPr>
-          <p:cNvPr id="176" name="Google Shape;176;g365c468214d_0_39:notes"/>
+          <p:cNvPr id="178" name="Google Shape;178;g365c468214d_0_39:notes"/>
           <p:cNvSpPr txBox="1"/>
           <p:nvPr>
             <p:ph idx="1" type="body"/>
@@ -1346,7 +1346,7 @@
       </p:sp>
       <p:sp>
         <p:nvSpPr>
-          <p:cNvPr id="177" name="Google Shape;177;g365c468214d_0_39:notes"/>
+          <p:cNvPr id="179" name="Google Shape;179;g365c468214d_0_39:notes"/>
           <p:cNvSpPr/>
           <p:nvPr>
             <p:ph idx="2" type="sldImg"/>
@@ -1392,7 +1392,7 @@
   <p:cSld>
     <p:spTree>
       <p:nvGrpSpPr>
-        <p:cNvPr id="185" name="Shape 185"/>
+        <p:cNvPr id="187" name="Shape 187"/>
         <p:cNvGrpSpPr/>
         <p:nvPr/>
       </p:nvGrpSpPr>
@@ -1406,7 +1406,7 @@
       </p:grpSpPr>
       <p:sp>
         <p:nvSpPr>
-          <p:cNvPr id="186" name="Google Shape;186;g365c468214d_0_48:notes"/>
+          <p:cNvPr id="188" name="Google Shape;188;g365c468214d_0_48:notes"/>
           <p:cNvSpPr txBox="1"/>
           <p:nvPr>
             <p:ph idx="1" type="body"/>
@@ -1445,7 +1445,7 @@
       </p:sp>
       <p:sp>
         <p:nvSpPr>
-          <p:cNvPr id="187" name="Google Shape;187;g365c468214d_0_48:notes"/>
+          <p:cNvPr id="189" name="Google Shape;189;g365c468214d_0_48:notes"/>
           <p:cNvSpPr/>
           <p:nvPr>
             <p:ph idx="2" type="sldImg"/>
@@ -1491,7 +1491,7 @@
   <p:cSld>
     <p:spTree>
       <p:nvGrpSpPr>
-        <p:cNvPr id="195" name="Shape 195"/>
+        <p:cNvPr id="197" name="Shape 197"/>
         <p:cNvGrpSpPr/>
         <p:nvPr/>
       </p:nvGrpSpPr>
@@ -1505,7 +1505,7 @@
       </p:grpSpPr>
       <p:sp>
         <p:nvSpPr>
-          <p:cNvPr id="196" name="Google Shape;196;g365c468214d_2_28:notes"/>
+          <p:cNvPr id="198" name="Google Shape;198;g365c468214d_2_28:notes"/>
           <p:cNvSpPr txBox="1"/>
           <p:nvPr>
             <p:ph idx="1" type="body"/>
@@ -1544,7 +1544,7 @@
       </p:sp>
       <p:sp>
         <p:nvSpPr>
-          <p:cNvPr id="197" name="Google Shape;197;g365c468214d_2_28:notes"/>
+          <p:cNvPr id="199" name="Google Shape;199;g365c468214d_2_28:notes"/>
           <p:cNvSpPr/>
           <p:nvPr>
             <p:ph idx="2" type="sldImg"/>
@@ -14957,8 +14957,35 @@
           <p:cNvPicPr preferRelativeResize="0"/>
           <p:nvPr/>
         </p:nvPicPr>
+        <p:blipFill rotWithShape="1">
+          <a:blip r:embed="rId5">
+            <a:alphaModFix/>
+          </a:blip>
+          <a:srcRect b="0" l="0" r="34997" t="0"/>
+          <a:stretch/>
+        </p:blipFill>
+        <p:spPr>
+          <a:xfrm>
+            <a:off x="863600" y="2882911"/>
+            <a:ext cx="6184799" cy="5328991"/>
+          </a:xfrm>
+          <a:prstGeom prst="rect">
+            <a:avLst/>
+          </a:prstGeom>
+          <a:noFill/>
+          <a:ln>
+            <a:noFill/>
+          </a:ln>
+        </p:spPr>
+      </p:pic>
+      <p:pic>
+        <p:nvPicPr>
+          <p:cNvPr id="165" name="Google Shape;165;p17"/>
+          <p:cNvPicPr preferRelativeResize="0"/>
+          <p:nvPr/>
+        </p:nvPicPr>
         <p:blipFill>
-          <a:blip r:embed="rId5">
+          <a:blip r:embed="rId6">
             <a:alphaModFix/>
           </a:blip>
           <a:stretch>
@@ -14967,8 +14994,36 @@
         </p:blipFill>
         <p:spPr>
           <a:xfrm>
-            <a:off x="863600" y="2882900"/>
-            <a:ext cx="7357024" cy="4198300"/>
+            <a:off x="3152476" y="2882911"/>
+            <a:ext cx="2136449" cy="5328991"/>
+          </a:xfrm>
+          <a:prstGeom prst="rect">
+            <a:avLst/>
+          </a:prstGeom>
+          <a:noFill/>
+          <a:ln>
+            <a:noFill/>
+          </a:ln>
+        </p:spPr>
+      </p:pic>
+      <p:pic>
+        <p:nvPicPr>
+          <p:cNvPr id="166" name="Google Shape;166;p17"/>
+          <p:cNvPicPr preferRelativeResize="0"/>
+          <p:nvPr/>
+        </p:nvPicPr>
+        <p:blipFill>
+          <a:blip r:embed="rId7">
+            <a:alphaModFix/>
+          </a:blip>
+          <a:stretch>
+            <a:fillRect/>
+          </a:stretch>
+        </p:blipFill>
+        <p:spPr>
+          <a:xfrm>
+            <a:off x="5288927" y="2882902"/>
+            <a:ext cx="1759467" cy="5328991"/>
           </a:xfrm>
           <a:prstGeom prst="rect">
             <a:avLst/>
@@ -14999,7 +15054,7 @@
     </p:bg>
     <p:spTree>
       <p:nvGrpSpPr>
-        <p:cNvPr id="168" name="Shape 168"/>
+        <p:cNvPr id="170" name="Shape 170"/>
         <p:cNvGrpSpPr/>
         <p:nvPr/>
       </p:nvGrpSpPr>
@@ -15013,7 +15068,7 @@
       </p:grpSpPr>
       <p:pic>
         <p:nvPicPr>
-          <p:cNvPr id="169" name="Google Shape;169;p18"/>
+          <p:cNvPr id="171" name="Google Shape;171;p18"/>
           <p:cNvPicPr preferRelativeResize="0"/>
           <p:nvPr/>
         </p:nvPicPr>
@@ -15040,7 +15095,7 @@
       </p:pic>
       <p:sp>
         <p:nvSpPr>
-          <p:cNvPr id="170" name="Google Shape;170;p18"/>
+          <p:cNvPr id="172" name="Google Shape;172;p18"/>
           <p:cNvSpPr txBox="1"/>
           <p:nvPr/>
         </p:nvSpPr>
@@ -15093,7 +15148,7 @@
       </p:sp>
       <p:sp>
         <p:nvSpPr>
-          <p:cNvPr id="171" name="Google Shape;171;p18"/>
+          <p:cNvPr id="173" name="Google Shape;173;p18"/>
           <p:cNvSpPr txBox="1"/>
           <p:nvPr/>
         </p:nvSpPr>
@@ -15142,7 +15197,7 @@
       </p:sp>
       <p:sp>
         <p:nvSpPr>
-          <p:cNvPr id="172" name="Google Shape;172;p18"/>
+          <p:cNvPr id="174" name="Google Shape;174;p18"/>
           <p:cNvSpPr txBox="1"/>
           <p:nvPr/>
         </p:nvSpPr>
@@ -15212,7 +15267,7 @@
       </p:sp>
       <p:pic>
         <p:nvPicPr>
-          <p:cNvPr id="173" name="Google Shape;173;p18"/>
+          <p:cNvPr id="175" name="Google Shape;175;p18"/>
           <p:cNvPicPr preferRelativeResize="0"/>
           <p:nvPr/>
         </p:nvPicPr>
@@ -15239,7 +15294,7 @@
       </p:pic>
       <p:graphicFrame>
         <p:nvGraphicFramePr>
-          <p:cNvPr id="174" name="Google Shape;174;p18"/>
+          <p:cNvPr id="176" name="Google Shape;176;p18"/>
           <p:cNvGraphicFramePr/>
           <p:nvPr/>
         </p:nvGraphicFramePr>
@@ -15252,7 +15307,7 @@
             <a:tbl>
               <a:tblPr>
                 <a:noFill/>
-                <a:tableStyleId>{0E5E6279-FC02-4860-A87F-ACBC6A372178}</a:tableStyleId>
+                <a:tableStyleId>{6820A7B1-BD5F-4B53-BC4B-DC31EA42637B}</a:tableStyleId>
               </a:tblPr>
               <a:tblGrid>
                 <a:gridCol w="830425"/>
@@ -16486,7 +16541,7 @@
     </p:bg>
     <p:spTree>
       <p:nvGrpSpPr>
-        <p:cNvPr id="178" name="Shape 178"/>
+        <p:cNvPr id="180" name="Shape 180"/>
         <p:cNvGrpSpPr/>
         <p:nvPr/>
       </p:nvGrpSpPr>
@@ -16500,7 +16555,7 @@
       </p:grpSpPr>
       <p:pic>
         <p:nvPicPr>
-          <p:cNvPr id="179" name="Google Shape;179;p19"/>
+          <p:cNvPr id="181" name="Google Shape;181;p19"/>
           <p:cNvPicPr preferRelativeResize="0"/>
           <p:nvPr/>
         </p:nvPicPr>
@@ -16527,7 +16582,7 @@
       </p:pic>
       <p:sp>
         <p:nvSpPr>
-          <p:cNvPr id="180" name="Google Shape;180;p19"/>
+          <p:cNvPr id="182" name="Google Shape;182;p19"/>
           <p:cNvSpPr txBox="1"/>
           <p:nvPr/>
         </p:nvSpPr>
@@ -16580,7 +16635,7 @@
       </p:sp>
       <p:sp>
         <p:nvSpPr>
-          <p:cNvPr id="181" name="Google Shape;181;p19"/>
+          <p:cNvPr id="183" name="Google Shape;183;p19"/>
           <p:cNvSpPr txBox="1"/>
           <p:nvPr/>
         </p:nvSpPr>
@@ -16629,7 +16684,7 @@
       </p:sp>
       <p:sp>
         <p:nvSpPr>
-          <p:cNvPr id="182" name="Google Shape;182;p19"/>
+          <p:cNvPr id="184" name="Google Shape;184;p19"/>
           <p:cNvSpPr txBox="1"/>
           <p:nvPr/>
         </p:nvSpPr>
@@ -16694,7 +16749,7 @@
       </p:sp>
       <p:pic>
         <p:nvPicPr>
-          <p:cNvPr id="183" name="Google Shape;183;p19"/>
+          <p:cNvPr id="185" name="Google Shape;185;p19"/>
           <p:cNvPicPr preferRelativeResize="0"/>
           <p:nvPr/>
         </p:nvPicPr>
@@ -16721,7 +16776,7 @@
       </p:pic>
       <p:graphicFrame>
         <p:nvGraphicFramePr>
-          <p:cNvPr id="184" name="Google Shape;184;p19"/>
+          <p:cNvPr id="186" name="Google Shape;186;p19"/>
           <p:cNvGraphicFramePr/>
           <p:nvPr/>
         </p:nvGraphicFramePr>
@@ -16736,7 +16791,7 @@
                 <a:solidFill>
                   <a:srgbClr val="FFFFFF"/>
                 </a:solidFill>
-                <a:tableStyleId>{0E5E6279-FC02-4860-A87F-ACBC6A372178}</a:tableStyleId>
+                <a:tableStyleId>{6820A7B1-BD5F-4B53-BC4B-DC31EA42637B}</a:tableStyleId>
               </a:tblPr>
               <a:tblGrid>
                 <a:gridCol w="1355525"/>
@@ -17798,7 +17853,7 @@
     </p:bg>
     <p:spTree>
       <p:nvGrpSpPr>
-        <p:cNvPr id="188" name="Shape 188"/>
+        <p:cNvPr id="190" name="Shape 190"/>
         <p:cNvGrpSpPr/>
         <p:nvPr/>
       </p:nvGrpSpPr>
@@ -17812,7 +17867,7 @@
       </p:grpSpPr>
       <p:pic>
         <p:nvPicPr>
-          <p:cNvPr id="189" name="Google Shape;189;p20"/>
+          <p:cNvPr id="191" name="Google Shape;191;p20"/>
           <p:cNvPicPr preferRelativeResize="0"/>
           <p:nvPr/>
         </p:nvPicPr>
@@ -17839,7 +17894,7 @@
       </p:pic>
       <p:sp>
         <p:nvSpPr>
-          <p:cNvPr id="190" name="Google Shape;190;p20"/>
+          <p:cNvPr id="192" name="Google Shape;192;p20"/>
           <p:cNvSpPr txBox="1"/>
           <p:nvPr/>
         </p:nvSpPr>
@@ -17892,7 +17947,7 @@
       </p:sp>
       <p:sp>
         <p:nvSpPr>
-          <p:cNvPr id="191" name="Google Shape;191;p20"/>
+          <p:cNvPr id="193" name="Google Shape;193;p20"/>
           <p:cNvSpPr txBox="1"/>
           <p:nvPr/>
         </p:nvSpPr>
@@ -17941,7 +17996,7 @@
       </p:sp>
       <p:sp>
         <p:nvSpPr>
-          <p:cNvPr id="192" name="Google Shape;192;p20"/>
+          <p:cNvPr id="194" name="Google Shape;194;p20"/>
           <p:cNvSpPr txBox="1"/>
           <p:nvPr/>
         </p:nvSpPr>
@@ -18006,7 +18061,7 @@
       </p:sp>
       <p:pic>
         <p:nvPicPr>
-          <p:cNvPr id="193" name="Google Shape;193;p20"/>
+          <p:cNvPr id="195" name="Google Shape;195;p20"/>
           <p:cNvPicPr preferRelativeResize="0"/>
           <p:nvPr/>
         </p:nvPicPr>
@@ -18033,7 +18088,7 @@
       </p:pic>
       <p:graphicFrame>
         <p:nvGraphicFramePr>
-          <p:cNvPr id="194" name="Google Shape;194;p20"/>
+          <p:cNvPr id="196" name="Google Shape;196;p20"/>
           <p:cNvGraphicFramePr/>
           <p:nvPr/>
         </p:nvGraphicFramePr>
@@ -18048,7 +18103,7 @@
                 <a:solidFill>
                   <a:srgbClr val="FFFFFF"/>
                 </a:solidFill>
-                <a:tableStyleId>{0E5E6279-FC02-4860-A87F-ACBC6A372178}</a:tableStyleId>
+                <a:tableStyleId>{6820A7B1-BD5F-4B53-BC4B-DC31EA42637B}</a:tableStyleId>
               </a:tblPr>
               <a:tblGrid>
                 <a:gridCol w="1072575"/>
@@ -18766,7 +18821,7 @@
     </p:bg>
     <p:spTree>
       <p:nvGrpSpPr>
-        <p:cNvPr id="198" name="Shape 198"/>
+        <p:cNvPr id="200" name="Shape 200"/>
         <p:cNvGrpSpPr/>
         <p:nvPr/>
       </p:nvGrpSpPr>
@@ -18780,7 +18835,7 @@
       </p:grpSpPr>
       <p:pic>
         <p:nvPicPr>
-          <p:cNvPr id="199" name="Google Shape;199;p21"/>
+          <p:cNvPr id="201" name="Google Shape;201;p21"/>
           <p:cNvPicPr preferRelativeResize="0"/>
           <p:nvPr/>
         </p:nvPicPr>
@@ -18807,7 +18862,7 @@
       </p:pic>
       <p:sp>
         <p:nvSpPr>
-          <p:cNvPr id="200" name="Google Shape;200;p21"/>
+          <p:cNvPr id="202" name="Google Shape;202;p21"/>
           <p:cNvSpPr txBox="1"/>
           <p:nvPr/>
         </p:nvSpPr>
@@ -18908,7 +18963,7 @@
       </p:sp>
       <p:sp>
         <p:nvSpPr>
-          <p:cNvPr id="201" name="Google Shape;201;p21"/>
+          <p:cNvPr id="203" name="Google Shape;203;p21"/>
           <p:cNvSpPr txBox="1"/>
           <p:nvPr/>
         </p:nvSpPr>
@@ -18957,7 +19012,7 @@
       </p:sp>
       <p:grpSp>
         <p:nvGrpSpPr>
-          <p:cNvPr id="202" name="Google Shape;202;p21"/>
+          <p:cNvPr id="204" name="Google Shape;204;p21"/>
           <p:cNvGrpSpPr/>
           <p:nvPr/>
         </p:nvGrpSpPr>
@@ -18971,7 +19026,7 @@
         </p:grpSpPr>
         <p:pic>
           <p:nvPicPr>
-            <p:cNvPr id="203" name="Google Shape;203;p21"/>
+            <p:cNvPr id="205" name="Google Shape;205;p21"/>
             <p:cNvPicPr preferRelativeResize="0"/>
             <p:nvPr/>
           </p:nvPicPr>
@@ -18998,7 +19053,7 @@
         </p:pic>
         <p:sp>
           <p:nvSpPr>
-            <p:cNvPr id="204" name="Google Shape;204;p21"/>
+            <p:cNvPr id="206" name="Google Shape;206;p21"/>
             <p:cNvSpPr txBox="1"/>
             <p:nvPr/>
           </p:nvSpPr>
@@ -19053,7 +19108,7 @@
       </p:grpSp>
       <p:pic>
         <p:nvPicPr>
-          <p:cNvPr id="205" name="Google Shape;205;p21"/>
+          <p:cNvPr id="207" name="Google Shape;207;p21"/>
           <p:cNvPicPr preferRelativeResize="0"/>
           <p:nvPr/>
         </p:nvPicPr>
@@ -19080,7 +19135,7 @@
       </p:pic>
       <p:sp>
         <p:nvSpPr>
-          <p:cNvPr id="206" name="Google Shape;206;p21"/>
+          <p:cNvPr id="208" name="Google Shape;208;p21"/>
           <p:cNvSpPr txBox="1"/>
           <p:nvPr/>
         </p:nvSpPr>
@@ -19201,7 +19256,7 @@
       </p:sp>
       <p:sp>
         <p:nvSpPr>
-          <p:cNvPr id="207" name="Google Shape;207;p21"/>
+          <p:cNvPr id="209" name="Google Shape;209;p21"/>
           <p:cNvSpPr txBox="1"/>
           <p:nvPr/>
         </p:nvSpPr>
@@ -19297,7 +19352,7 @@
       </p:sp>
       <p:grpSp>
         <p:nvGrpSpPr>
-          <p:cNvPr id="208" name="Google Shape;208;p21"/>
+          <p:cNvPr id="210" name="Google Shape;210;p21"/>
           <p:cNvGrpSpPr/>
           <p:nvPr/>
         </p:nvGrpSpPr>
@@ -19311,7 +19366,7 @@
         </p:grpSpPr>
         <p:pic>
           <p:nvPicPr>
-            <p:cNvPr id="209" name="Google Shape;209;p21"/>
+            <p:cNvPr id="211" name="Google Shape;211;p21"/>
             <p:cNvPicPr preferRelativeResize="0"/>
             <p:nvPr/>
           </p:nvPicPr>
@@ -19338,7 +19393,7 @@
         </p:pic>
         <p:sp>
           <p:nvSpPr>
-            <p:cNvPr id="210" name="Google Shape;210;p21"/>
+            <p:cNvPr id="212" name="Google Shape;212;p21"/>
             <p:cNvSpPr txBox="1"/>
             <p:nvPr/>
           </p:nvSpPr>
@@ -19393,7 +19448,7 @@
       </p:grpSp>
       <p:grpSp>
         <p:nvGrpSpPr>
-          <p:cNvPr id="211" name="Google Shape;211;p21"/>
+          <p:cNvPr id="213" name="Google Shape;213;p21"/>
           <p:cNvGrpSpPr/>
           <p:nvPr/>
         </p:nvGrpSpPr>
@@ -19407,7 +19462,7 @@
         </p:grpSpPr>
         <p:pic>
           <p:nvPicPr>
-            <p:cNvPr id="212" name="Google Shape;212;p21"/>
+            <p:cNvPr id="214" name="Google Shape;214;p21"/>
             <p:cNvPicPr preferRelativeResize="0"/>
             <p:nvPr/>
           </p:nvPicPr>
@@ -19434,7 +19489,7 @@
         </p:pic>
         <p:sp>
           <p:nvSpPr>
-            <p:cNvPr id="213" name="Google Shape;213;p21"/>
+            <p:cNvPr id="215" name="Google Shape;215;p21"/>
             <p:cNvSpPr txBox="1"/>
             <p:nvPr/>
           </p:nvSpPr>
@@ -19489,7 +19544,7 @@
       </p:grpSp>
       <p:grpSp>
         <p:nvGrpSpPr>
-          <p:cNvPr id="214" name="Google Shape;214;p21"/>
+          <p:cNvPr id="216" name="Google Shape;216;p21"/>
           <p:cNvGrpSpPr/>
           <p:nvPr/>
         </p:nvGrpSpPr>
@@ -19503,7 +19558,7 @@
         </p:grpSpPr>
         <p:pic>
           <p:nvPicPr>
-            <p:cNvPr id="215" name="Google Shape;215;p21"/>
+            <p:cNvPr id="217" name="Google Shape;217;p21"/>
             <p:cNvPicPr preferRelativeResize="0"/>
             <p:nvPr/>
           </p:nvPicPr>
@@ -19530,7 +19585,7 @@
         </p:pic>
         <p:sp>
           <p:nvSpPr>
-            <p:cNvPr id="216" name="Google Shape;216;p21"/>
+            <p:cNvPr id="218" name="Google Shape;218;p21"/>
             <p:cNvSpPr txBox="1"/>
             <p:nvPr/>
           </p:nvSpPr>
@@ -19592,6 +19647,285 @@
 </file>
 
 <file path=ppt/theme/theme1.xml><?xml version="1.0" encoding="utf-8"?>
+<a:theme xmlns:a="http://schemas.openxmlformats.org/drawingml/2006/main" xmlns:r="http://schemas.openxmlformats.org/officeDocument/2006/relationships" name="Office Theme">
+  <a:themeElements>
+    <a:clrScheme name="Office">
+      <a:dk1>
+        <a:srgbClr val="000000"/>
+      </a:dk1>
+      <a:lt1>
+        <a:srgbClr val="FFFFFF"/>
+      </a:lt1>
+      <a:dk2>
+        <a:srgbClr val="1F497D"/>
+      </a:dk2>
+      <a:lt2>
+        <a:srgbClr val="EEECE1"/>
+      </a:lt2>
+      <a:accent1>
+        <a:srgbClr val="4F81BD"/>
+      </a:accent1>
+      <a:accent2>
+        <a:srgbClr val="C0504D"/>
+      </a:accent2>
+      <a:accent3>
+        <a:srgbClr val="9BBB59"/>
+      </a:accent3>
+      <a:accent4>
+        <a:srgbClr val="8064A2"/>
+      </a:accent4>
+      <a:accent5>
+        <a:srgbClr val="4BACC6"/>
+      </a:accent5>
+      <a:accent6>
+        <a:srgbClr val="F79646"/>
+      </a:accent6>
+      <a:hlink>
+        <a:srgbClr val="0000FF"/>
+      </a:hlink>
+      <a:folHlink>
+        <a:srgbClr val="800080"/>
+      </a:folHlink>
+    </a:clrScheme>
+    <a:fontScheme name="Office">
+      <a:majorFont>
+        <a:latin typeface="Arial"/>
+        <a:ea typeface=""/>
+        <a:cs typeface=""/>
+        <a:font script="Jpan" typeface="ＭＳ Ｐゴシック"/>
+        <a:font script="Hang" typeface="맑은 고딕"/>
+        <a:font script="Hans" typeface="宋体"/>
+        <a:font script="Hant" typeface="新細明體"/>
+        <a:font script="Arab" typeface="Times New Roman"/>
+        <a:font script="Hebr" typeface="Times New Roman"/>
+        <a:font script="Thai" typeface="Angsana New"/>
+        <a:font script="Ethi" typeface="Nyala"/>
+        <a:font script="Beng" typeface="Vrinda"/>
+        <a:font script="Gujr" typeface="Shruti"/>
+        <a:font script="Khmr" typeface="MoolBoran"/>
+        <a:font script="Knda" typeface="Tunga"/>
+        <a:font script="Guru" typeface="Raavi"/>
+        <a:font script="Cans" typeface="Euphemia"/>
+        <a:font script="Cher" typeface="Plantagenet Cherokee"/>
+        <a:font script="Yiii" typeface="Microsoft Yi Baiti"/>
+        <a:font script="Tibt" typeface="Microsoft Himalaya"/>
+        <a:font script="Thaa" typeface="MV Boli"/>
+        <a:font script="Deva" typeface="Mangal"/>
+        <a:font script="Telu" typeface="Gautami"/>
+        <a:font script="Taml" typeface="Latha"/>
+        <a:font script="Syrc" typeface="Estrangelo Edessa"/>
+        <a:font script="Orya" typeface="Kalinga"/>
+        <a:font script="Mlym" typeface="Kartika"/>
+        <a:font script="Laoo" typeface="DokChampa"/>
+        <a:font script="Sinh" typeface="Iskoola Pota"/>
+        <a:font script="Mong" typeface="Mongolian Baiti"/>
+        <a:font script="Viet" typeface="Times New Roman"/>
+        <a:font script="Uigh" typeface="Microsoft Uighur"/>
+        <a:font script="Geor" typeface="Sylfaen"/>
+      </a:majorFont>
+      <a:minorFont>
+        <a:latin typeface="Arial"/>
+        <a:ea typeface=""/>
+        <a:cs typeface=""/>
+        <a:font script="Jpan" typeface="ＭＳ Ｐゴシック"/>
+        <a:font script="Hang" typeface="맑은 고딕"/>
+        <a:font script="Hans" typeface="宋体"/>
+        <a:font script="Hant" typeface="新細明體"/>
+        <a:font script="Arab" typeface="Arial"/>
+        <a:font script="Hebr" typeface="Arial"/>
+        <a:font script="Thai" typeface="Cordia New"/>
+        <a:font script="Ethi" typeface="Nyala"/>
+        <a:font script="Beng" typeface="Vrinda"/>
+        <a:font script="Gujr" typeface="Shruti"/>
+        <a:font script="Khmr" typeface="DaunPenh"/>
+        <a:font script="Knda" typeface="Tunga"/>
+        <a:font script="Guru" typeface="Raavi"/>
+        <a:font script="Cans" typeface="Euphemia"/>
+        <a:font script="Cher" typeface="Plantagenet Cherokee"/>
+        <a:font script="Yiii" typeface="Microsoft Yi Baiti"/>
+        <a:font script="Tibt" typeface="Microsoft Himalaya"/>
+        <a:font script="Thaa" typeface="MV Boli"/>
+        <a:font script="Deva" typeface="Mangal"/>
+        <a:font script="Telu" typeface="Gautami"/>
+        <a:font script="Taml" typeface="Latha"/>
+        <a:font script="Syrc" typeface="Estrangelo Edessa"/>
+        <a:font script="Orya" typeface="Kalinga"/>
+        <a:font script="Mlym" typeface="Kartika"/>
+        <a:font script="Laoo" typeface="DokChampa"/>
+        <a:font script="Sinh" typeface="Iskoola Pota"/>
+        <a:font script="Mong" typeface="Mongolian Baiti"/>
+        <a:font script="Viet" typeface="Arial"/>
+        <a:font script="Uigh" typeface="Microsoft Uighur"/>
+        <a:font script="Geor" typeface="Sylfaen"/>
+      </a:minorFont>
+    </a:fontScheme>
+    <a:fmtScheme name="Office">
+      <a:fillStyleLst>
+        <a:solidFill>
+          <a:schemeClr val="phClr"/>
+        </a:solidFill>
+        <a:gradFill rotWithShape="1">
+          <a:gsLst>
+            <a:gs pos="0">
+              <a:schemeClr val="phClr">
+                <a:tint val="50000"/>
+                <a:satMod val="300000"/>
+              </a:schemeClr>
+            </a:gs>
+            <a:gs pos="35000">
+              <a:schemeClr val="phClr">
+                <a:tint val="37000"/>
+                <a:satMod val="300000"/>
+              </a:schemeClr>
+            </a:gs>
+            <a:gs pos="100000">
+              <a:schemeClr val="phClr">
+                <a:tint val="15000"/>
+                <a:satMod val="350000"/>
+              </a:schemeClr>
+            </a:gs>
+          </a:gsLst>
+          <a:lin ang="16200000" scaled="1"/>
+        </a:gradFill>
+        <a:gradFill rotWithShape="1">
+          <a:gsLst>
+            <a:gs pos="0">
+              <a:schemeClr val="phClr">
+                <a:tint val="100000"/>
+                <a:shade val="100000"/>
+                <a:satMod val="130000"/>
+              </a:schemeClr>
+            </a:gs>
+            <a:gs pos="100000">
+              <a:schemeClr val="phClr">
+                <a:tint val="50000"/>
+                <a:shade val="100000"/>
+                <a:satMod val="350000"/>
+              </a:schemeClr>
+            </a:gs>
+          </a:gsLst>
+          <a:lin ang="16200000" scaled="0"/>
+        </a:gradFill>
+      </a:fillStyleLst>
+      <a:lnStyleLst>
+        <a:ln w="9525" cap="flat" cmpd="sng" algn="ctr">
+          <a:solidFill>
+            <a:schemeClr val="phClr">
+              <a:shade val="95000"/>
+              <a:satMod val="105000"/>
+            </a:schemeClr>
+          </a:solidFill>
+          <a:prstDash val="solid"/>
+        </a:ln>
+        <a:ln w="25400" cap="flat" cmpd="sng" algn="ctr">
+          <a:solidFill>
+            <a:schemeClr val="phClr"/>
+          </a:solidFill>
+          <a:prstDash val="solid"/>
+        </a:ln>
+        <a:ln w="38100" cap="flat" cmpd="sng" algn="ctr">
+          <a:solidFill>
+            <a:schemeClr val="phClr"/>
+          </a:solidFill>
+          <a:prstDash val="solid"/>
+        </a:ln>
+      </a:lnStyleLst>
+      <a:effectStyleLst>
+        <a:effectStyle>
+          <a:effectLst>
+            <a:outerShdw blurRad="40000" dist="20000" dir="5400000" rotWithShape="0">
+              <a:srgbClr val="000000">
+                <a:alpha val="38000"/>
+              </a:srgbClr>
+            </a:outerShdw>
+          </a:effectLst>
+        </a:effectStyle>
+        <a:effectStyle>
+          <a:effectLst>
+            <a:outerShdw blurRad="40000" dist="23000" dir="5400000" rotWithShape="0">
+              <a:srgbClr val="000000">
+                <a:alpha val="35000"/>
+              </a:srgbClr>
+            </a:outerShdw>
+          </a:effectLst>
+        </a:effectStyle>
+        <a:effectStyle>
+          <a:effectLst>
+            <a:outerShdw blurRad="40000" dist="23000" dir="5400000" rotWithShape="0">
+              <a:srgbClr val="000000">
+                <a:alpha val="35000"/>
+              </a:srgbClr>
+            </a:outerShdw>
+          </a:effectLst>
+          <a:scene3d>
+            <a:camera prst="orthographicFront">
+              <a:rot lat="0" lon="0" rev="0"/>
+            </a:camera>
+            <a:lightRig rig="threePt" dir="t">
+              <a:rot lat="0" lon="0" rev="1200000"/>
+            </a:lightRig>
+          </a:scene3d>
+          <a:sp3d>
+            <a:bevelT w="63500" h="25400"/>
+          </a:sp3d>
+        </a:effectStyle>
+      </a:effectStyleLst>
+      <a:bgFillStyleLst>
+        <a:solidFill>
+          <a:schemeClr val="phClr"/>
+        </a:solidFill>
+        <a:gradFill rotWithShape="1">
+          <a:gsLst>
+            <a:gs pos="0">
+              <a:schemeClr val="phClr">
+                <a:tint val="40000"/>
+                <a:satMod val="350000"/>
+              </a:schemeClr>
+            </a:gs>
+            <a:gs pos="40000">
+              <a:schemeClr val="phClr">
+                <a:tint val="45000"/>
+                <a:shade val="99000"/>
+                <a:satMod val="350000"/>
+              </a:schemeClr>
+            </a:gs>
+            <a:gs pos="100000">
+              <a:schemeClr val="phClr">
+                <a:shade val="20000"/>
+                <a:satMod val="255000"/>
+              </a:schemeClr>
+            </a:gs>
+          </a:gsLst>
+          <a:path path="circle">
+            <a:fillToRect l="50000" t="-80000" r="50000" b="180000"/>
+          </a:path>
+        </a:gradFill>
+        <a:gradFill rotWithShape="1">
+          <a:gsLst>
+            <a:gs pos="0">
+              <a:schemeClr val="phClr">
+                <a:tint val="80000"/>
+                <a:satMod val="300000"/>
+              </a:schemeClr>
+            </a:gs>
+            <a:gs pos="100000">
+              <a:schemeClr val="phClr">
+                <a:shade val="30000"/>
+                <a:satMod val="200000"/>
+              </a:schemeClr>
+            </a:gs>
+          </a:gsLst>
+          <a:path path="circle">
+            <a:fillToRect l="50000" t="50000" r="50000" b="50000"/>
+          </a:path>
+        </a:gradFill>
+      </a:bgFillStyleLst>
+    </a:fmtScheme>
+  </a:themeElements>
+</a:theme>
+</file>
+
+<file path=ppt/theme/theme2.xml><?xml version="1.0" encoding="utf-8"?>
 <a:theme xmlns:a="http://schemas.openxmlformats.org/drawingml/2006/main" xmlns:r="http://schemas.openxmlformats.org/officeDocument/2006/relationships">
   <a:themeElements>
     <a:clrScheme name="Default">
@@ -19868,283 +20202,4 @@
     </a:fmtScheme>
   </a:themeElements>
 </a:theme>
-</file>
-
-<file path=ppt/theme/theme2.xml><?xml version="1.0" encoding="utf-8"?>
-<a:theme xmlns:a="http://schemas.openxmlformats.org/drawingml/2006/main" xmlns:r="http://schemas.openxmlformats.org/officeDocument/2006/relationships" name="Office Theme">
-  <a:themeElements>
-    <a:clrScheme name="Office">
-      <a:dk1>
-        <a:srgbClr val="000000"/>
-      </a:dk1>
-      <a:lt1>
-        <a:srgbClr val="FFFFFF"/>
-      </a:lt1>
-      <a:dk2>
-        <a:srgbClr val="1F497D"/>
-      </a:dk2>
-      <a:lt2>
-        <a:srgbClr val="EEECE1"/>
-      </a:lt2>
-      <a:accent1>
-        <a:srgbClr val="4F81BD"/>
-      </a:accent1>
-      <a:accent2>
-        <a:srgbClr val="C0504D"/>
-      </a:accent2>
-      <a:accent3>
-        <a:srgbClr val="9BBB59"/>
-      </a:accent3>
-      <a:accent4>
-        <a:srgbClr val="8064A2"/>
-      </a:accent4>
-      <a:accent5>
-        <a:srgbClr val="4BACC6"/>
-      </a:accent5>
-      <a:accent6>
-        <a:srgbClr val="F79646"/>
-      </a:accent6>
-      <a:hlink>
-        <a:srgbClr val="0000FF"/>
-      </a:hlink>
-      <a:folHlink>
-        <a:srgbClr val="800080"/>
-      </a:folHlink>
-    </a:clrScheme>
-    <a:fontScheme name="Office">
-      <a:majorFont>
-        <a:latin typeface="Arial"/>
-        <a:ea typeface=""/>
-        <a:cs typeface=""/>
-        <a:font script="Jpan" typeface="ＭＳ Ｐゴシック"/>
-        <a:font script="Hang" typeface="맑은 고딕"/>
-        <a:font script="Hans" typeface="宋体"/>
-        <a:font script="Hant" typeface="新細明體"/>
-        <a:font script="Arab" typeface="Times New Roman"/>
-        <a:font script="Hebr" typeface="Times New Roman"/>
-        <a:font script="Thai" typeface="Angsana New"/>
-        <a:font script="Ethi" typeface="Nyala"/>
-        <a:font script="Beng" typeface="Vrinda"/>
-        <a:font script="Gujr" typeface="Shruti"/>
-        <a:font script="Khmr" typeface="MoolBoran"/>
-        <a:font script="Knda" typeface="Tunga"/>
-        <a:font script="Guru" typeface="Raavi"/>
-        <a:font script="Cans" typeface="Euphemia"/>
-        <a:font script="Cher" typeface="Plantagenet Cherokee"/>
-        <a:font script="Yiii" typeface="Microsoft Yi Baiti"/>
-        <a:font script="Tibt" typeface="Microsoft Himalaya"/>
-        <a:font script="Thaa" typeface="MV Boli"/>
-        <a:font script="Deva" typeface="Mangal"/>
-        <a:font script="Telu" typeface="Gautami"/>
-        <a:font script="Taml" typeface="Latha"/>
-        <a:font script="Syrc" typeface="Estrangelo Edessa"/>
-        <a:font script="Orya" typeface="Kalinga"/>
-        <a:font script="Mlym" typeface="Kartika"/>
-        <a:font script="Laoo" typeface="DokChampa"/>
-        <a:font script="Sinh" typeface="Iskoola Pota"/>
-        <a:font script="Mong" typeface="Mongolian Baiti"/>
-        <a:font script="Viet" typeface="Times New Roman"/>
-        <a:font script="Uigh" typeface="Microsoft Uighur"/>
-        <a:font script="Geor" typeface="Sylfaen"/>
-      </a:majorFont>
-      <a:minorFont>
-        <a:latin typeface="Arial"/>
-        <a:ea typeface=""/>
-        <a:cs typeface=""/>
-        <a:font script="Jpan" typeface="ＭＳ Ｐゴシック"/>
-        <a:font script="Hang" typeface="맑은 고딕"/>
-        <a:font script="Hans" typeface="宋体"/>
-        <a:font script="Hant" typeface="新細明體"/>
-        <a:font script="Arab" typeface="Arial"/>
-        <a:font script="Hebr" typeface="Arial"/>
-        <a:font script="Thai" typeface="Cordia New"/>
-        <a:font script="Ethi" typeface="Nyala"/>
-        <a:font script="Beng" typeface="Vrinda"/>
-        <a:font script="Gujr" typeface="Shruti"/>
-        <a:font script="Khmr" typeface="DaunPenh"/>
-        <a:font script="Knda" typeface="Tunga"/>
-        <a:font script="Guru" typeface="Raavi"/>
-        <a:font script="Cans" typeface="Euphemia"/>
-        <a:font script="Cher" typeface="Plantagenet Cherokee"/>
-        <a:font script="Yiii" typeface="Microsoft Yi Baiti"/>
-        <a:font script="Tibt" typeface="Microsoft Himalaya"/>
-        <a:font script="Thaa" typeface="MV Boli"/>
-        <a:font script="Deva" typeface="Mangal"/>
-        <a:font script="Telu" typeface="Gautami"/>
-        <a:font script="Taml" typeface="Latha"/>
-        <a:font script="Syrc" typeface="Estrangelo Edessa"/>
-        <a:font script="Orya" typeface="Kalinga"/>
-        <a:font script="Mlym" typeface="Kartika"/>
-        <a:font script="Laoo" typeface="DokChampa"/>
-        <a:font script="Sinh" typeface="Iskoola Pota"/>
-        <a:font script="Mong" typeface="Mongolian Baiti"/>
-        <a:font script="Viet" typeface="Arial"/>
-        <a:font script="Uigh" typeface="Microsoft Uighur"/>
-        <a:font script="Geor" typeface="Sylfaen"/>
-      </a:minorFont>
-    </a:fontScheme>
-    <a:fmtScheme name="Office">
-      <a:fillStyleLst>
-        <a:solidFill>
-          <a:schemeClr val="phClr"/>
-        </a:solidFill>
-        <a:gradFill rotWithShape="1">
-          <a:gsLst>
-            <a:gs pos="0">
-              <a:schemeClr val="phClr">
-                <a:tint val="50000"/>
-                <a:satMod val="300000"/>
-              </a:schemeClr>
-            </a:gs>
-            <a:gs pos="35000">
-              <a:schemeClr val="phClr">
-                <a:tint val="37000"/>
-                <a:satMod val="300000"/>
-              </a:schemeClr>
-            </a:gs>
-            <a:gs pos="100000">
-              <a:schemeClr val="phClr">
-                <a:tint val="15000"/>
-                <a:satMod val="350000"/>
-              </a:schemeClr>
-            </a:gs>
-          </a:gsLst>
-          <a:lin ang="16200000" scaled="1"/>
-        </a:gradFill>
-        <a:gradFill rotWithShape="1">
-          <a:gsLst>
-            <a:gs pos="0">
-              <a:schemeClr val="phClr">
-                <a:tint val="100000"/>
-                <a:shade val="100000"/>
-                <a:satMod val="130000"/>
-              </a:schemeClr>
-            </a:gs>
-            <a:gs pos="100000">
-              <a:schemeClr val="phClr">
-                <a:tint val="50000"/>
-                <a:shade val="100000"/>
-                <a:satMod val="350000"/>
-              </a:schemeClr>
-            </a:gs>
-          </a:gsLst>
-          <a:lin ang="16200000" scaled="0"/>
-        </a:gradFill>
-      </a:fillStyleLst>
-      <a:lnStyleLst>
-        <a:ln w="9525" cap="flat" cmpd="sng" algn="ctr">
-          <a:solidFill>
-            <a:schemeClr val="phClr">
-              <a:shade val="95000"/>
-              <a:satMod val="105000"/>
-            </a:schemeClr>
-          </a:solidFill>
-          <a:prstDash val="solid"/>
-        </a:ln>
-        <a:ln w="25400" cap="flat" cmpd="sng" algn="ctr">
-          <a:solidFill>
-            <a:schemeClr val="phClr"/>
-          </a:solidFill>
-          <a:prstDash val="solid"/>
-        </a:ln>
-        <a:ln w="38100" cap="flat" cmpd="sng" algn="ctr">
-          <a:solidFill>
-            <a:schemeClr val="phClr"/>
-          </a:solidFill>
-          <a:prstDash val="solid"/>
-        </a:ln>
-      </a:lnStyleLst>
-      <a:effectStyleLst>
-        <a:effectStyle>
-          <a:effectLst>
-            <a:outerShdw blurRad="40000" dist="20000" dir="5400000" rotWithShape="0">
-              <a:srgbClr val="000000">
-                <a:alpha val="38000"/>
-              </a:srgbClr>
-            </a:outerShdw>
-          </a:effectLst>
-        </a:effectStyle>
-        <a:effectStyle>
-          <a:effectLst>
-            <a:outerShdw blurRad="40000" dist="23000" dir="5400000" rotWithShape="0">
-              <a:srgbClr val="000000">
-                <a:alpha val="35000"/>
-              </a:srgbClr>
-            </a:outerShdw>
-          </a:effectLst>
-        </a:effectStyle>
-        <a:effectStyle>
-          <a:effectLst>
-            <a:outerShdw blurRad="40000" dist="23000" dir="5400000" rotWithShape="0">
-              <a:srgbClr val="000000">
-                <a:alpha val="35000"/>
-              </a:srgbClr>
-            </a:outerShdw>
-          </a:effectLst>
-          <a:scene3d>
-            <a:camera prst="orthographicFront">
-              <a:rot lat="0" lon="0" rev="0"/>
-            </a:camera>
-            <a:lightRig rig="threePt" dir="t">
-              <a:rot lat="0" lon="0" rev="1200000"/>
-            </a:lightRig>
-          </a:scene3d>
-          <a:sp3d>
-            <a:bevelT w="63500" h="25400"/>
-          </a:sp3d>
-        </a:effectStyle>
-      </a:effectStyleLst>
-      <a:bgFillStyleLst>
-        <a:solidFill>
-          <a:schemeClr val="phClr"/>
-        </a:solidFill>
-        <a:gradFill rotWithShape="1">
-          <a:gsLst>
-            <a:gs pos="0">
-              <a:schemeClr val="phClr">
-                <a:tint val="40000"/>
-                <a:satMod val="350000"/>
-              </a:schemeClr>
-            </a:gs>
-            <a:gs pos="40000">
-              <a:schemeClr val="phClr">
-                <a:tint val="45000"/>
-                <a:shade val="99000"/>
-                <a:satMod val="350000"/>
-              </a:schemeClr>
-            </a:gs>
-            <a:gs pos="100000">
-              <a:schemeClr val="phClr">
-                <a:shade val="20000"/>
-                <a:satMod val="255000"/>
-              </a:schemeClr>
-            </a:gs>
-          </a:gsLst>
-          <a:path path="circle">
-            <a:fillToRect l="50000" t="-80000" r="50000" b="180000"/>
-          </a:path>
-        </a:gradFill>
-        <a:gradFill rotWithShape="1">
-          <a:gsLst>
-            <a:gs pos="0">
-              <a:schemeClr val="phClr">
-                <a:tint val="80000"/>
-                <a:satMod val="300000"/>
-              </a:schemeClr>
-            </a:gs>
-            <a:gs pos="100000">
-              <a:schemeClr val="phClr">
-                <a:shade val="30000"/>
-                <a:satMod val="200000"/>
-              </a:schemeClr>
-            </a:gs>
-          </a:gsLst>
-          <a:path path="circle">
-            <a:fillToRect l="50000" t="50000" r="50000" b="50000"/>
-          </a:path>
-        </a:gradFill>
-      </a:bgFillStyleLst>
-    </a:fmtScheme>
-  </a:themeElements>
-</a:theme>
 </file>